--- a/Assets/Other files/ハンドトラッキング機能搭載HMDを用いた手話学習.pptx
+++ b/Assets/Other files/ハンドトラッキング機能搭載HMDを用いた手話学習.pptx
@@ -340,7 +340,7 @@
           <a:p>
             <a:fld id="{424269AB-4317-4DD0-A71C-5DD3539C6BE6}" type="datetimeFigureOut">
               <a:rPr kumimoji="1" lang="ja-JP" altLang="en-US" smtClean="0"/>
-              <a:t>2020/11/7</a:t>
+              <a:t>2020/11/9</a:t>
             </a:fld>
             <a:endParaRPr kumimoji="1" lang="ja-JP" altLang="en-US"/>
           </a:p>
@@ -580,7 +580,7 @@
           <a:p>
             <a:fld id="{424269AB-4317-4DD0-A71C-5DD3539C6BE6}" type="datetimeFigureOut">
               <a:rPr kumimoji="1" lang="ja-JP" altLang="en-US" smtClean="0"/>
-              <a:t>2020/11/7</a:t>
+              <a:t>2020/11/9</a:t>
             </a:fld>
             <a:endParaRPr kumimoji="1" lang="ja-JP" altLang="en-US"/>
           </a:p>
@@ -868,7 +868,7 @@
           <a:p>
             <a:fld id="{424269AB-4317-4DD0-A71C-5DD3539C6BE6}" type="datetimeFigureOut">
               <a:rPr kumimoji="1" lang="ja-JP" altLang="en-US" smtClean="0"/>
-              <a:t>2020/11/7</a:t>
+              <a:t>2020/11/9</a:t>
             </a:fld>
             <a:endParaRPr kumimoji="1" lang="ja-JP" altLang="en-US"/>
           </a:p>
@@ -1074,7 +1074,7 @@
           <a:p>
             <a:fld id="{424269AB-4317-4DD0-A71C-5DD3539C6BE6}" type="datetimeFigureOut">
               <a:rPr kumimoji="1" lang="ja-JP" altLang="en-US" smtClean="0"/>
-              <a:t>2020/11/7</a:t>
+              <a:t>2020/11/9</a:t>
             </a:fld>
             <a:endParaRPr kumimoji="1" lang="ja-JP" altLang="en-US"/>
           </a:p>
@@ -1417,7 +1417,7 @@
           <a:p>
             <a:fld id="{424269AB-4317-4DD0-A71C-5DD3539C6BE6}" type="datetimeFigureOut">
               <a:rPr kumimoji="1" lang="ja-JP" altLang="en-US" smtClean="0"/>
-              <a:t>2020/11/7</a:t>
+              <a:t>2020/11/9</a:t>
             </a:fld>
             <a:endParaRPr kumimoji="1" lang="ja-JP" altLang="en-US"/>
           </a:p>
@@ -1756,7 +1756,7 @@
           <a:p>
             <a:fld id="{424269AB-4317-4DD0-A71C-5DD3539C6BE6}" type="datetimeFigureOut">
               <a:rPr kumimoji="1" lang="ja-JP" altLang="en-US" smtClean="0"/>
-              <a:t>2020/11/7</a:t>
+              <a:t>2020/11/9</a:t>
             </a:fld>
             <a:endParaRPr kumimoji="1" lang="ja-JP" altLang="en-US"/>
           </a:p>
@@ -2199,7 +2199,7 @@
           <a:p>
             <a:fld id="{424269AB-4317-4DD0-A71C-5DD3539C6BE6}" type="datetimeFigureOut">
               <a:rPr kumimoji="1" lang="ja-JP" altLang="en-US" smtClean="0"/>
-              <a:t>2020/11/7</a:t>
+              <a:t>2020/11/9</a:t>
             </a:fld>
             <a:endParaRPr kumimoji="1" lang="ja-JP" altLang="en-US"/>
           </a:p>
@@ -2317,7 +2317,7 @@
           <a:p>
             <a:fld id="{424269AB-4317-4DD0-A71C-5DD3539C6BE6}" type="datetimeFigureOut">
               <a:rPr kumimoji="1" lang="ja-JP" altLang="en-US" smtClean="0"/>
-              <a:t>2020/11/7</a:t>
+              <a:t>2020/11/9</a:t>
             </a:fld>
             <a:endParaRPr kumimoji="1" lang="ja-JP" altLang="en-US"/>
           </a:p>
@@ -2488,7 +2488,7 @@
           <a:p>
             <a:fld id="{424269AB-4317-4DD0-A71C-5DD3539C6BE6}" type="datetimeFigureOut">
               <a:rPr kumimoji="1" lang="ja-JP" altLang="en-US" smtClean="0"/>
-              <a:t>2020/11/7</a:t>
+              <a:t>2020/11/9</a:t>
             </a:fld>
             <a:endParaRPr kumimoji="1" lang="ja-JP" altLang="en-US"/>
           </a:p>
@@ -2874,7 +2874,7 @@
           <a:p>
             <a:fld id="{424269AB-4317-4DD0-A71C-5DD3539C6BE6}" type="datetimeFigureOut">
               <a:rPr kumimoji="1" lang="ja-JP" altLang="en-US" smtClean="0"/>
-              <a:t>2020/11/7</a:t>
+              <a:t>2020/11/9</a:t>
             </a:fld>
             <a:endParaRPr kumimoji="1" lang="ja-JP" altLang="en-US"/>
           </a:p>
@@ -3256,7 +3256,7 @@
           <a:p>
             <a:fld id="{424269AB-4317-4DD0-A71C-5DD3539C6BE6}" type="datetimeFigureOut">
               <a:rPr kumimoji="1" lang="ja-JP" altLang="en-US" smtClean="0"/>
-              <a:t>2020/11/7</a:t>
+              <a:t>2020/11/9</a:t>
             </a:fld>
             <a:endParaRPr kumimoji="1" lang="ja-JP" altLang="en-US"/>
           </a:p>
@@ -3575,7 +3575,7 @@
           <a:p>
             <a:fld id="{424269AB-4317-4DD0-A71C-5DD3539C6BE6}" type="datetimeFigureOut">
               <a:rPr kumimoji="1" lang="ja-JP" altLang="en-US" smtClean="0"/>
-              <a:t>2020/11/7</a:t>
+              <a:t>2020/11/9</a:t>
             </a:fld>
             <a:endParaRPr kumimoji="1" lang="ja-JP" altLang="en-US"/>
           </a:p>
@@ -4104,7 +4104,7 @@
           <p:cNvPr id="2" name="タイトル 1">
             <a:extLst>
               <a:ext uri="{FF2B5EF4-FFF2-40B4-BE49-F238E27FC236}">
-                <a16:creationId xmlns:a16="http://schemas.microsoft.com/office/drawing/2014/main" id="{CE598E38-146E-4BAE-803B-08DC8CCE40C4}"/>
+                <a16:creationId xmlns:a16="http://schemas.microsoft.com/office/drawing/2014/main" xmlns="" id="{CE598E38-146E-4BAE-803B-08DC8CCE40C4}"/>
               </a:ext>
             </a:extLst>
           </p:cNvPr>
@@ -4149,7 +4149,7 @@
           <p:cNvPr id="3" name="字幕 2">
             <a:extLst>
               <a:ext uri="{FF2B5EF4-FFF2-40B4-BE49-F238E27FC236}">
-                <a16:creationId xmlns:a16="http://schemas.microsoft.com/office/drawing/2014/main" id="{7483203D-0D82-469F-B40C-21D215CCBEEF}"/>
+                <a16:creationId xmlns:a16="http://schemas.microsoft.com/office/drawing/2014/main" xmlns="" id="{7483203D-0D82-469F-B40C-21D215CCBEEF}"/>
               </a:ext>
             </a:extLst>
           </p:cNvPr>
@@ -4182,7 +4182,7 @@
           <p:cNvPr id="4" name="字幕 2">
             <a:extLst>
               <a:ext uri="{FF2B5EF4-FFF2-40B4-BE49-F238E27FC236}">
-                <a16:creationId xmlns:a16="http://schemas.microsoft.com/office/drawing/2014/main" id="{7A3FE523-2E21-49D8-930A-CC7E01925439}"/>
+                <a16:creationId xmlns:a16="http://schemas.microsoft.com/office/drawing/2014/main" xmlns="" id="{7A3FE523-2E21-49D8-930A-CC7E01925439}"/>
               </a:ext>
             </a:extLst>
           </p:cNvPr>
@@ -4193,8 +4193,8 @@
         </p:nvSpPr>
         <p:spPr>
           <a:xfrm>
-            <a:off x="1097280" y="5039392"/>
-            <a:ext cx="10058400" cy="1192966"/>
+            <a:off x="1097280" y="4889500"/>
+            <a:ext cx="10058400" cy="1536700"/>
           </a:xfrm>
           <a:prstGeom prst="rect">
             <a:avLst/>
@@ -4202,7 +4202,7 @@
         </p:spPr>
         <p:txBody>
           <a:bodyPr vert="horz" lIns="91440" tIns="45720" rIns="91440" bIns="45720" rtlCol="0">
-            <a:normAutofit fontScale="92500" lnSpcReduction="20000"/>
+            <a:normAutofit/>
           </a:bodyPr>
           <a:lstStyle>
             <a:lvl1pPr marL="0" indent="0" algn="l" defTabSz="914400" rtl="0" eaLnBrk="1" latinLnBrk="0" hangingPunct="1">
@@ -4461,9 +4461,20 @@
                   </a:schemeClr>
                 </a:solidFill>
               </a:rPr>
-              <a:t>背景</a:t>
-            </a:r>
-            <a:endParaRPr lang="en-US" altLang="ja-JP" dirty="0">
+              <a:t>目的</a:t>
+            </a:r>
+            <a:r>
+              <a:rPr lang="ja-JP" altLang="en-US" dirty="0" smtClean="0">
+                <a:solidFill>
+                  <a:schemeClr val="tx1">
+                    <a:lumMod val="75000"/>
+                    <a:lumOff val="25000"/>
+                  </a:schemeClr>
+                </a:solidFill>
+              </a:rPr>
+              <a:t>：現状の手話学習方法の問題点を克服する</a:t>
+            </a:r>
+            <a:endParaRPr lang="en-US" altLang="ja-JP" dirty="0" smtClean="0">
               <a:solidFill>
                 <a:schemeClr val="tx1">
                   <a:lumMod val="75000"/>
@@ -4477,6 +4488,115 @@
               <a:buFont typeface="Arial" panose="020B0604020202020204" pitchFamily="34" charset="0"/>
               <a:buChar char="•"/>
             </a:pPr>
+            <a:r>
+              <a:rPr lang="ja-JP" altLang="en-US" dirty="0" smtClean="0">
+                <a:solidFill>
+                  <a:schemeClr val="tx1">
+                    <a:lumMod val="75000"/>
+                    <a:lumOff val="25000"/>
+                  </a:schemeClr>
+                </a:solidFill>
+              </a:rPr>
+              <a:t>実装：</a:t>
+            </a:r>
+            <a:r>
+              <a:rPr lang="en-US" altLang="ja-JP" sz="2000" dirty="0" smtClean="0">
+                <a:solidFill>
+                  <a:schemeClr val="tx1">
+                    <a:lumMod val="75000"/>
+                    <a:lumOff val="25000"/>
+                  </a:schemeClr>
+                </a:solidFill>
+                <a:latin typeface="Century" panose="02040604050505020304" pitchFamily="18" charset="0"/>
+              </a:rPr>
+              <a:t>Oculus</a:t>
+            </a:r>
+            <a:r>
+              <a:rPr lang="ja-JP" altLang="en-US" sz="2000" dirty="0">
+                <a:solidFill>
+                  <a:schemeClr val="tx1">
+                    <a:lumMod val="75000"/>
+                    <a:lumOff val="25000"/>
+                  </a:schemeClr>
+                </a:solidFill>
+                <a:latin typeface="Century" panose="02040604050505020304" pitchFamily="18" charset="0"/>
+              </a:rPr>
+              <a:t> </a:t>
+            </a:r>
+            <a:r>
+              <a:rPr lang="en-US" altLang="ja-JP" sz="2000" dirty="0" smtClean="0">
+                <a:solidFill>
+                  <a:schemeClr val="tx1">
+                    <a:lumMod val="75000"/>
+                    <a:lumOff val="25000"/>
+                  </a:schemeClr>
+                </a:solidFill>
+                <a:latin typeface="Century" panose="02040604050505020304" pitchFamily="18" charset="0"/>
+              </a:rPr>
+              <a:t>Quest</a:t>
+            </a:r>
+            <a:r>
+              <a:rPr lang="ja-JP" altLang="en-US" dirty="0" smtClean="0">
+                <a:solidFill>
+                  <a:schemeClr val="tx1">
+                    <a:lumMod val="75000"/>
+                    <a:lumOff val="25000"/>
+                  </a:schemeClr>
+                </a:solidFill>
+                <a:latin typeface="Century" panose="02040604050505020304" pitchFamily="18" charset="0"/>
+              </a:rPr>
+              <a:t>と</a:t>
+            </a:r>
+            <a:r>
+              <a:rPr lang="en-US" altLang="ja-JP" dirty="0" smtClean="0">
+                <a:solidFill>
+                  <a:schemeClr val="tx1">
+                    <a:lumMod val="75000"/>
+                    <a:lumOff val="25000"/>
+                  </a:schemeClr>
+                </a:solidFill>
+                <a:latin typeface="Century" panose="02040604050505020304" pitchFamily="18" charset="0"/>
+              </a:rPr>
+              <a:t>Unity</a:t>
+            </a:r>
+            <a:r>
+              <a:rPr lang="ja-JP" altLang="en-US" dirty="0" smtClean="0">
+                <a:solidFill>
+                  <a:schemeClr val="tx1">
+                    <a:lumMod val="75000"/>
+                    <a:lumOff val="25000"/>
+                  </a:schemeClr>
+                </a:solidFill>
+                <a:latin typeface="Century" panose="02040604050505020304" pitchFamily="18" charset="0"/>
+              </a:rPr>
+              <a:t>を用いたソフトウェア実装</a:t>
+            </a:r>
+            <a:endParaRPr lang="en-US" altLang="ja-JP" sz="2000" dirty="0" smtClean="0">
+              <a:solidFill>
+                <a:schemeClr val="tx1">
+                  <a:lumMod val="75000"/>
+                  <a:lumOff val="25000"/>
+                </a:schemeClr>
+              </a:solidFill>
+              <a:latin typeface="Century" panose="02040604050505020304" pitchFamily="18" charset="0"/>
+            </a:endParaRPr>
+          </a:p>
+          <a:p>
+            <a:pPr marL="342900" indent="-342900">
+              <a:buFont typeface="Arial" panose="020B0604020202020204" pitchFamily="34" charset="0"/>
+              <a:buChar char="•"/>
+            </a:pPr>
+            <a:r>
+              <a:rPr lang="en-US" altLang="ja-JP" dirty="0" smtClean="0">
+                <a:solidFill>
+                  <a:schemeClr val="tx1">
+                    <a:lumMod val="75000"/>
+                    <a:lumOff val="25000"/>
+                  </a:schemeClr>
+                </a:solidFill>
+              </a:rPr>
+              <a:t>Oculus</a:t>
+            </a:r>
             <a:r>
               <a:rPr lang="ja-JP" altLang="en-US" dirty="0">
                 <a:solidFill>
@@ -4486,24 +4606,10 @@
                   </a:schemeClr>
                 </a:solidFill>
               </a:rPr>
-              <a:t>目的</a:t>
-            </a:r>
-            <a:endParaRPr lang="en-US" altLang="ja-JP" dirty="0">
-              <a:solidFill>
-                <a:schemeClr val="tx1">
-                  <a:lumMod val="75000"/>
-                  <a:lumOff val="25000"/>
-                </a:schemeClr>
-              </a:solidFill>
-            </a:endParaRPr>
-          </a:p>
-          <a:p>
-            <a:pPr marL="342900" indent="-342900">
-              <a:buFont typeface="Arial" panose="020B0604020202020204" pitchFamily="34" charset="0"/>
-              <a:buChar char="•"/>
-            </a:pPr>
-            <a:r>
-              <a:rPr lang="ja-JP" altLang="en-US" dirty="0">
+              <a:t> </a:t>
+            </a:r>
+            <a:r>
+              <a:rPr lang="en-US" altLang="ja-JP" dirty="0" smtClean="0">
                 <a:solidFill>
                   <a:schemeClr val="tx1">
                     <a:lumMod val="75000"/>
@@ -4511,9 +4617,31 @@
                   </a:schemeClr>
                 </a:solidFill>
               </a:rPr>
-              <a:t>ハンドトラッキング</a:t>
-            </a:r>
-            <a:endParaRPr lang="en-US" altLang="ja-JP" dirty="0">
+              <a:t>Quest</a:t>
+            </a:r>
+            <a:r>
+              <a:rPr lang="ja-JP" altLang="en-US" dirty="0" err="1" smtClean="0">
+                <a:solidFill>
+                  <a:schemeClr val="tx1">
+                    <a:lumMod val="75000"/>
+                    <a:lumOff val="25000"/>
+                  </a:schemeClr>
+                </a:solidFill>
+              </a:rPr>
+              <a:t>での</a:t>
+            </a:r>
+            <a:r>
+              <a:rPr lang="ja-JP" altLang="en-US" dirty="0" smtClean="0">
+                <a:solidFill>
+                  <a:schemeClr val="tx1">
+                    <a:lumMod val="75000"/>
+                    <a:lumOff val="25000"/>
+                  </a:schemeClr>
+                </a:solidFill>
+              </a:rPr>
+              <a:t>ハンドトラッキング仕様</a:t>
+            </a:r>
+            <a:endParaRPr lang="en-US" altLang="ja-JP" dirty="0" smtClean="0">
               <a:solidFill>
                 <a:schemeClr val="tx1">
                   <a:lumMod val="75000"/>
@@ -4566,7 +4694,7 @@
           <p:cNvPr id="2" name="タイトル 1">
             <a:extLst>
               <a:ext uri="{FF2B5EF4-FFF2-40B4-BE49-F238E27FC236}">
-                <a16:creationId xmlns:a16="http://schemas.microsoft.com/office/drawing/2014/main" id="{CF5D4BD1-D0A6-48C5-B83B-19A0275A48A8}"/>
+                <a16:creationId xmlns:a16="http://schemas.microsoft.com/office/drawing/2014/main" xmlns="" id="{CF5D4BD1-D0A6-48C5-B83B-19A0275A48A8}"/>
               </a:ext>
             </a:extLst>
           </p:cNvPr>
@@ -4594,7 +4722,7 @@
           <p:cNvPr id="3" name="コンテンツ プレースホルダー 2">
             <a:extLst>
               <a:ext uri="{FF2B5EF4-FFF2-40B4-BE49-F238E27FC236}">
-                <a16:creationId xmlns:a16="http://schemas.microsoft.com/office/drawing/2014/main" id="{FD4F6D6D-94A0-4535-9D1A-058CBC0FC65D}"/>
+                <a16:creationId xmlns:a16="http://schemas.microsoft.com/office/drawing/2014/main" xmlns="" id="{FD4F6D6D-94A0-4535-9D1A-058CBC0FC65D}"/>
               </a:ext>
             </a:extLst>
           </p:cNvPr>
@@ -4618,8 +4746,13 @@
             </a:pPr>
             <a:r>
               <a:rPr kumimoji="1" lang="ja-JP" altLang="en-US" sz="3200" dirty="0"/>
-              <a:t>手話を習得する際は</a:t>
-            </a:r>
+              <a:t>手話を習得する際</a:t>
+            </a:r>
+            <a:r>
+              <a:rPr kumimoji="1" lang="ja-JP" altLang="en-US" sz="3200" dirty="0" smtClean="0"/>
+              <a:t>は</a:t>
+            </a:r>
+            <a:endParaRPr kumimoji="1" lang="ja-JP" altLang="en-US" sz="3200" dirty="0"/>
           </a:p>
         </p:txBody>
       </p:sp>
@@ -4658,7 +4791,7 @@
           <p:cNvPr id="2" name="タイトル 1">
             <a:extLst>
               <a:ext uri="{FF2B5EF4-FFF2-40B4-BE49-F238E27FC236}">
-                <a16:creationId xmlns:a16="http://schemas.microsoft.com/office/drawing/2014/main" id="{CF5D4BD1-D0A6-48C5-B83B-19A0275A48A8}"/>
+                <a16:creationId xmlns:a16="http://schemas.microsoft.com/office/drawing/2014/main" xmlns="" id="{CF5D4BD1-D0A6-48C5-B83B-19A0275A48A8}"/>
               </a:ext>
             </a:extLst>
           </p:cNvPr>
@@ -4686,7 +4819,7 @@
           <p:cNvPr id="3" name="コンテンツ プレースホルダー 2">
             <a:extLst>
               <a:ext uri="{FF2B5EF4-FFF2-40B4-BE49-F238E27FC236}">
-                <a16:creationId xmlns:a16="http://schemas.microsoft.com/office/drawing/2014/main" id="{FD4F6D6D-94A0-4535-9D1A-058CBC0FC65D}"/>
+                <a16:creationId xmlns:a16="http://schemas.microsoft.com/office/drawing/2014/main" xmlns="" id="{FD4F6D6D-94A0-4535-9D1A-058CBC0FC65D}"/>
               </a:ext>
             </a:extLst>
           </p:cNvPr>
@@ -4746,7 +4879,7 @@
           <p:cNvPr id="2" name="タイトル 1">
             <a:extLst>
               <a:ext uri="{FF2B5EF4-FFF2-40B4-BE49-F238E27FC236}">
-                <a16:creationId xmlns:a16="http://schemas.microsoft.com/office/drawing/2014/main" id="{CF5D4BD1-D0A6-48C5-B83B-19A0275A48A8}"/>
+                <a16:creationId xmlns:a16="http://schemas.microsoft.com/office/drawing/2014/main" xmlns="" id="{CF5D4BD1-D0A6-48C5-B83B-19A0275A48A8}"/>
               </a:ext>
             </a:extLst>
           </p:cNvPr>
@@ -4774,7 +4907,7 @@
           <p:cNvPr id="3" name="コンテンツ プレースホルダー 2">
             <a:extLst>
               <a:ext uri="{FF2B5EF4-FFF2-40B4-BE49-F238E27FC236}">
-                <a16:creationId xmlns:a16="http://schemas.microsoft.com/office/drawing/2014/main" id="{FD4F6D6D-94A0-4535-9D1A-058CBC0FC65D}"/>
+                <a16:creationId xmlns:a16="http://schemas.microsoft.com/office/drawing/2014/main" xmlns="" id="{FD4F6D6D-94A0-4535-9D1A-058CBC0FC65D}"/>
               </a:ext>
             </a:extLst>
           </p:cNvPr>
@@ -4834,7 +4967,7 @@
           <p:cNvPr id="2" name="タイトル 1">
             <a:extLst>
               <a:ext uri="{FF2B5EF4-FFF2-40B4-BE49-F238E27FC236}">
-                <a16:creationId xmlns:a16="http://schemas.microsoft.com/office/drawing/2014/main" id="{CF5D4BD1-D0A6-48C5-B83B-19A0275A48A8}"/>
+                <a16:creationId xmlns:a16="http://schemas.microsoft.com/office/drawing/2014/main" xmlns="" id="{CF5D4BD1-D0A6-48C5-B83B-19A0275A48A8}"/>
               </a:ext>
             </a:extLst>
           </p:cNvPr>
@@ -4862,7 +4995,7 @@
           <p:cNvPr id="3" name="コンテンツ プレースホルダー 2">
             <a:extLst>
               <a:ext uri="{FF2B5EF4-FFF2-40B4-BE49-F238E27FC236}">
-                <a16:creationId xmlns:a16="http://schemas.microsoft.com/office/drawing/2014/main" id="{FD4F6D6D-94A0-4535-9D1A-058CBC0FC65D}"/>
+                <a16:creationId xmlns:a16="http://schemas.microsoft.com/office/drawing/2014/main" xmlns="" id="{FD4F6D6D-94A0-4535-9D1A-058CBC0FC65D}"/>
               </a:ext>
             </a:extLst>
           </p:cNvPr>
@@ -4922,7 +5055,7 @@
           <p:cNvPr id="2" name="タイトル 1">
             <a:extLst>
               <a:ext uri="{FF2B5EF4-FFF2-40B4-BE49-F238E27FC236}">
-                <a16:creationId xmlns:a16="http://schemas.microsoft.com/office/drawing/2014/main" id="{CF5D4BD1-D0A6-48C5-B83B-19A0275A48A8}"/>
+                <a16:creationId xmlns:a16="http://schemas.microsoft.com/office/drawing/2014/main" xmlns="" id="{CF5D4BD1-D0A6-48C5-B83B-19A0275A48A8}"/>
               </a:ext>
             </a:extLst>
           </p:cNvPr>
@@ -4950,7 +5083,7 @@
           <p:cNvPr id="3" name="コンテンツ プレースホルダー 2">
             <a:extLst>
               <a:ext uri="{FF2B5EF4-FFF2-40B4-BE49-F238E27FC236}">
-                <a16:creationId xmlns:a16="http://schemas.microsoft.com/office/drawing/2014/main" id="{FD4F6D6D-94A0-4535-9D1A-058CBC0FC65D}"/>
+                <a16:creationId xmlns:a16="http://schemas.microsoft.com/office/drawing/2014/main" xmlns="" id="{FD4F6D6D-94A0-4535-9D1A-058CBC0FC65D}"/>
               </a:ext>
             </a:extLst>
           </p:cNvPr>
@@ -5010,7 +5143,7 @@
           <p:cNvPr id="2" name="タイトル 1">
             <a:extLst>
               <a:ext uri="{FF2B5EF4-FFF2-40B4-BE49-F238E27FC236}">
-                <a16:creationId xmlns:a16="http://schemas.microsoft.com/office/drawing/2014/main" id="{CF5D4BD1-D0A6-48C5-B83B-19A0275A48A8}"/>
+                <a16:creationId xmlns:a16="http://schemas.microsoft.com/office/drawing/2014/main" xmlns="" id="{CF5D4BD1-D0A6-48C5-B83B-19A0275A48A8}"/>
               </a:ext>
             </a:extLst>
           </p:cNvPr>
@@ -5038,7 +5171,7 @@
           <p:cNvPr id="3" name="コンテンツ プレースホルダー 2">
             <a:extLst>
               <a:ext uri="{FF2B5EF4-FFF2-40B4-BE49-F238E27FC236}">
-                <a16:creationId xmlns:a16="http://schemas.microsoft.com/office/drawing/2014/main" id="{FD4F6D6D-94A0-4535-9D1A-058CBC0FC65D}"/>
+                <a16:creationId xmlns:a16="http://schemas.microsoft.com/office/drawing/2014/main" xmlns="" id="{FD4F6D6D-94A0-4535-9D1A-058CBC0FC65D}"/>
               </a:ext>
             </a:extLst>
           </p:cNvPr>
@@ -5098,7 +5231,7 @@
           <p:cNvPr id="2" name="タイトル 1">
             <a:extLst>
               <a:ext uri="{FF2B5EF4-FFF2-40B4-BE49-F238E27FC236}">
-                <a16:creationId xmlns:a16="http://schemas.microsoft.com/office/drawing/2014/main" id="{CF5D4BD1-D0A6-48C5-B83B-19A0275A48A8}"/>
+                <a16:creationId xmlns:a16="http://schemas.microsoft.com/office/drawing/2014/main" xmlns="" id="{CF5D4BD1-D0A6-48C5-B83B-19A0275A48A8}"/>
               </a:ext>
             </a:extLst>
           </p:cNvPr>
@@ -5126,7 +5259,7 @@
           <p:cNvPr id="3" name="コンテンツ プレースホルダー 2">
             <a:extLst>
               <a:ext uri="{FF2B5EF4-FFF2-40B4-BE49-F238E27FC236}">
-                <a16:creationId xmlns:a16="http://schemas.microsoft.com/office/drawing/2014/main" id="{FD4F6D6D-94A0-4535-9D1A-058CBC0FC65D}"/>
+                <a16:creationId xmlns:a16="http://schemas.microsoft.com/office/drawing/2014/main" xmlns="" id="{FD4F6D6D-94A0-4535-9D1A-058CBC0FC65D}"/>
               </a:ext>
             </a:extLst>
           </p:cNvPr>
@@ -5144,10 +5277,11 @@
           </a:bodyPr>
           <a:lstStyle/>
           <a:p>
-            <a:r>
-              <a:rPr kumimoji="1" lang="ja-JP" altLang="en-US" sz="2800" dirty="0"/>
-              <a:t>閲覧方向が固定任意</a:t>
-            </a:r>
+            <a:pPr>
+              <a:buFont typeface="Wingdings" panose="05000000000000000000" pitchFamily="2" charset="2"/>
+              <a:buChar char="l"/>
+            </a:pPr>
+            <a:endParaRPr kumimoji="1" lang="ja-JP" altLang="en-US" sz="2800" dirty="0"/>
           </a:p>
         </p:txBody>
       </p:sp>
@@ -5441,7 +5575,7 @@
   <a:extraClrSchemeLst/>
   <a:extLst>
     <a:ext uri="{05A4C25C-085E-4340-85A3-A5531E510DB2}">
-      <thm15:themeFamily xmlns:thm15="http://schemas.microsoft.com/office/thememl/2012/main" name="Retrospect" id="{5F128B03-DCCA-4EEB-AB3B-CF2899314A46}" vid="{3F1AAB62-24C6-49D2-8E01-B56FAC9A3DCD}"/>
+      <thm15:themeFamily xmlns:thm15="http://schemas.microsoft.com/office/thememl/2012/main" xmlns="" name="Retrospect" id="{5F128B03-DCCA-4EEB-AB3B-CF2899314A46}" vid="{3F1AAB62-24C6-49D2-8E01-B56FAC9A3DCD}"/>
     </a:ext>
   </a:extLst>
 </a:theme>
